--- a/ReportExploringData.pptx
+++ b/ReportExploringData.pptx
@@ -3248,7 +3248,7 @@
         </p:nvSpPr>
         <p:spPr>
           <a:xfrm>
-            <a:off x="3835400" y="5623123"/>
+            <a:off x="8521700" y="5906454"/>
             <a:ext cx="530915" cy="307777"/>
           </a:xfrm>
           <a:prstGeom prst="rect">
@@ -3474,8 +3474,8 @@
         </p:nvSpPr>
         <p:spPr>
           <a:xfrm>
-            <a:off x="457200" y="1674673"/>
-            <a:ext cx="8077200" cy="4616649"/>
+            <a:off x="457200" y="1293673"/>
+            <a:ext cx="8077200" cy="6186309"/>
           </a:xfrm>
           <a:prstGeom prst="rect">
             <a:avLst/>
@@ -3549,7 +3549,7 @@
               <a:buChar char="•"/>
             </a:pPr>
             <a:r>
-              <a:rPr lang="en-GB" dirty="0" smtClean="0"/>
+              <a:rPr lang="en-GB" sz="1600" dirty="0" smtClean="0"/>
               <a:t>Medication became more broadly used</a:t>
             </a:r>
           </a:p>
@@ -3559,7 +3559,7 @@
               <a:buChar char="•"/>
             </a:pPr>
             <a:r>
-              <a:rPr lang="en-GB" dirty="0" smtClean="0"/>
+              <a:rPr lang="en-GB" sz="1600" dirty="0" smtClean="0"/>
               <a:t>Media attention </a:t>
             </a:r>
           </a:p>
@@ -3578,7 +3578,29 @@
               <a:buFont typeface="Arial"/>
               <a:buChar char="•"/>
             </a:pPr>
-            <a:endParaRPr lang="en-GB" dirty="0" smtClean="0"/>
+            <a:r>
+              <a:rPr lang="en-GB" dirty="0" smtClean="0"/>
+              <a:t>Understand influence of demographics on adverse events incidence </a:t>
+            </a:r>
+          </a:p>
+          <a:p>
+            <a:pPr marL="1200150" lvl="2" indent="-285750">
+              <a:buFont typeface="Arial"/>
+              <a:buChar char="•"/>
+            </a:pPr>
+            <a:r>
+              <a:rPr lang="en-GB" sz="1600" dirty="0" smtClean="0"/>
+              <a:t>Quick test on diabetes medications has shown a significantly higher incidence of serious adverse events in males vs. females ( p-value &lt; 2.2e</a:t>
+            </a:r>
+            <a:r>
+              <a:rPr lang="en-GB" sz="1600" dirty="0"/>
+              <a:t>-16</a:t>
+            </a:r>
+            <a:r>
+              <a:rPr lang="en-GB" sz="1600" dirty="0" smtClean="0"/>
+              <a:t>) </a:t>
+            </a:r>
+            <a:endParaRPr lang="en-GB" sz="1600" dirty="0"/>
           </a:p>
           <a:p>
             <a:pPr marL="285750" indent="-285750">
@@ -3586,7 +3608,7 @@
               <a:buChar char="•"/>
             </a:pPr>
             <a:r>
-              <a:rPr lang="en-GB" dirty="0" smtClean="0"/>
+              <a:rPr lang="en-GB" sz="2400" dirty="0"/>
               <a:t>Prospective analysis</a:t>
             </a:r>
           </a:p>
@@ -3615,10 +3637,37 @@
             </a:r>
           </a:p>
           <a:p>
+            <a:pPr marL="285750" indent="-285750">
+              <a:buFont typeface="Arial"/>
+              <a:buChar char="•"/>
+            </a:pPr>
+            <a:r>
+              <a:rPr lang="en-GB" sz="2400" dirty="0" smtClean="0"/>
+              <a:t>Predictive/clustering </a:t>
+            </a:r>
+            <a:r>
+              <a:rPr lang="en-GB" sz="2400" dirty="0"/>
+              <a:t>analysis </a:t>
+            </a:r>
+            <a:endParaRPr lang="en-GB" sz="2400" dirty="0" smtClean="0"/>
+          </a:p>
+          <a:p>
             <a:pPr marL="742950" lvl="1" indent="-285750">
               <a:buFont typeface="Arial"/>
               <a:buChar char="•"/>
             </a:pPr>
+            <a:r>
+              <a:rPr lang="en-GB" dirty="0"/>
+              <a:t>Describe patients’ cohorts most susceptible to a certain medication/treatment plan. </a:t>
+            </a:r>
+            <a:r>
+              <a:rPr lang="en-GB" dirty="0"/>
+              <a:t>Predict reaction to new regimen   </a:t>
+            </a:r>
+            <a:endParaRPr lang="en-GB" dirty="0" smtClean="0"/>
+          </a:p>
+          <a:p>
+            <a:pPr lvl="1"/>
             <a:endParaRPr lang="en-GB" dirty="0"/>
           </a:p>
           <a:p>
@@ -4362,7 +4411,9 @@
         </p:nvSpPr>
         <p:spPr/>
         <p:txBody>
-          <a:bodyPr/>
+          <a:bodyPr>
+            <a:normAutofit fontScale="90000"/>
+          </a:bodyPr>
           <a:lstStyle/>
           <a:p>
             <a:r>
@@ -4375,15 +4426,7 @@
             </a:r>
             <a:r>
               <a:rPr lang="en-US" dirty="0" smtClean="0"/>
-              <a:t>emporal </a:t>
-            </a:r>
-            <a:r>
-              <a:rPr lang="en-US" dirty="0"/>
-              <a:t>P</a:t>
-            </a:r>
-            <a:r>
-              <a:rPr lang="en-US" dirty="0" smtClean="0"/>
-              <a:t>atterns </a:t>
+              <a:t>emporal Patterns: Anomaly detection  </a:t>
             </a:r>
             <a:endParaRPr lang="en-US" dirty="0"/>
           </a:p>
